--- a/talks/WeddingMetaCore.pptx
+++ b/talks/WeddingMetaCore.pptx
@@ -289,7 +289,7 @@
           <a:p>
             <a:fld id="{D20B567E-57D3-4E43-AC89-D1A4605D9845}" type="datetimeFigureOut">
               <a:rPr lang="en-CA" smtClean="0"/>
-              <a:t>2018-06-04</a:t>
+              <a:t>2018-06-05</a:t>
             </a:fld>
             <a:endParaRPr lang="en-CA"/>
           </a:p>
@@ -459,7 +459,7 @@
           <a:p>
             <a:fld id="{D20B567E-57D3-4E43-AC89-D1A4605D9845}" type="datetimeFigureOut">
               <a:rPr lang="en-CA" smtClean="0"/>
-              <a:t>2018-06-04</a:t>
+              <a:t>2018-06-05</a:t>
             </a:fld>
             <a:endParaRPr lang="en-CA"/>
           </a:p>
@@ -639,7 +639,7 @@
           <a:p>
             <a:fld id="{D20B567E-57D3-4E43-AC89-D1A4605D9845}" type="datetimeFigureOut">
               <a:rPr lang="en-CA" smtClean="0"/>
-              <a:t>2018-06-04</a:t>
+              <a:t>2018-06-05</a:t>
             </a:fld>
             <a:endParaRPr lang="en-CA"/>
           </a:p>
@@ -809,7 +809,7 @@
           <a:p>
             <a:fld id="{D20B567E-57D3-4E43-AC89-D1A4605D9845}" type="datetimeFigureOut">
               <a:rPr lang="en-CA" smtClean="0"/>
-              <a:t>2018-06-04</a:t>
+              <a:t>2018-06-05</a:t>
             </a:fld>
             <a:endParaRPr lang="en-CA"/>
           </a:p>
@@ -1055,7 +1055,7 @@
           <a:p>
             <a:fld id="{D20B567E-57D3-4E43-AC89-D1A4605D9845}" type="datetimeFigureOut">
               <a:rPr lang="en-CA" smtClean="0"/>
-              <a:t>2018-06-04</a:t>
+              <a:t>2018-06-05</a:t>
             </a:fld>
             <a:endParaRPr lang="en-CA"/>
           </a:p>
@@ -1343,7 +1343,7 @@
           <a:p>
             <a:fld id="{D20B567E-57D3-4E43-AC89-D1A4605D9845}" type="datetimeFigureOut">
               <a:rPr lang="en-CA" smtClean="0"/>
-              <a:t>2018-06-04</a:t>
+              <a:t>2018-06-05</a:t>
             </a:fld>
             <a:endParaRPr lang="en-CA"/>
           </a:p>
@@ -1765,7 +1765,7 @@
           <a:p>
             <a:fld id="{D20B567E-57D3-4E43-AC89-D1A4605D9845}" type="datetimeFigureOut">
               <a:rPr lang="en-CA" smtClean="0"/>
-              <a:t>2018-06-04</a:t>
+              <a:t>2018-06-05</a:t>
             </a:fld>
             <a:endParaRPr lang="en-CA"/>
           </a:p>
@@ -1883,7 +1883,7 @@
           <a:p>
             <a:fld id="{D20B567E-57D3-4E43-AC89-D1A4605D9845}" type="datetimeFigureOut">
               <a:rPr lang="en-CA" smtClean="0"/>
-              <a:t>2018-06-04</a:t>
+              <a:t>2018-06-05</a:t>
             </a:fld>
             <a:endParaRPr lang="en-CA"/>
           </a:p>
@@ -1978,7 +1978,7 @@
           <a:p>
             <a:fld id="{D20B567E-57D3-4E43-AC89-D1A4605D9845}" type="datetimeFigureOut">
               <a:rPr lang="en-CA" smtClean="0"/>
-              <a:t>2018-06-04</a:t>
+              <a:t>2018-06-05</a:t>
             </a:fld>
             <a:endParaRPr lang="en-CA"/>
           </a:p>
@@ -2255,7 +2255,7 @@
           <a:p>
             <a:fld id="{D20B567E-57D3-4E43-AC89-D1A4605D9845}" type="datetimeFigureOut">
               <a:rPr lang="en-CA" smtClean="0"/>
-              <a:t>2018-06-04</a:t>
+              <a:t>2018-06-05</a:t>
             </a:fld>
             <a:endParaRPr lang="en-CA"/>
           </a:p>
@@ -2508,7 +2508,7 @@
           <a:p>
             <a:fld id="{D20B567E-57D3-4E43-AC89-D1A4605D9845}" type="datetimeFigureOut">
               <a:rPr lang="en-CA" smtClean="0"/>
-              <a:t>2018-06-04</a:t>
+              <a:t>2018-06-05</a:t>
             </a:fld>
             <a:endParaRPr lang="en-CA"/>
           </a:p>
@@ -2721,7 +2721,7 @@
           <a:p>
             <a:fld id="{D20B567E-57D3-4E43-AC89-D1A4605D9845}" type="datetimeFigureOut">
               <a:rPr lang="en-CA" smtClean="0"/>
-              <a:t>2018-06-04</a:t>
+              <a:t>2018-06-05</a:t>
             </a:fld>
             <a:endParaRPr lang="en-CA"/>
           </a:p>
@@ -3188,31 +3188,7 @@
                   </a:outerShdw>
                 </a:effectLst>
               </a:rPr>
-              <a:t>Core </a:t>
-            </a:r>
-            <a:r>
-              <a:rPr lang="en-CA" sz="1900" dirty="0" smtClean="0">
-                <a:effectLst>
-                  <a:outerShdw blurRad="38100" dist="38100" dir="2700000" algn="tl">
-                    <a:srgbClr val="000000">
-                      <a:alpha val="43137"/>
-                    </a:srgbClr>
-                  </a:outerShdw>
-                </a:effectLst>
-              </a:rPr>
-              <a:t>of </a:t>
-            </a:r>
-            <a:r>
-              <a:rPr lang="en-CA" sz="1900" dirty="0" smtClean="0">
-                <a:effectLst>
-                  <a:outerShdw blurRad="38100" dist="38100" dir="2700000" algn="tl">
-                    <a:srgbClr val="000000">
-                      <a:alpha val="43137"/>
-                    </a:srgbClr>
-                  </a:outerShdw>
-                </a:effectLst>
-              </a:rPr>
-              <a:t>PSOA </a:t>
+              <a:t>Core of PSOA </a:t>
             </a:r>
             <a:r>
               <a:rPr lang="en-CA" sz="1900" dirty="0" err="1">
@@ -3286,15 +3262,6 @@
               </a:rPr>
               <a:t> Visualization </a:t>
             </a:r>
-            <a:endParaRPr lang="en-CA" sz="1900" dirty="0" smtClean="0">
-              <a:effectLst>
-                <a:outerShdw blurRad="38100" dist="38100" dir="2700000" algn="tl">
-                  <a:srgbClr val="000000">
-                    <a:alpha val="43137"/>
-                  </a:srgbClr>
-                </a:outerShdw>
-              </a:effectLst>
-            </a:endParaRPr>
           </a:p>
         </p:txBody>
       </p:sp>
@@ -3415,11 +3382,7 @@
             </a:r>
             <a:r>
               <a:rPr lang="en-CA" sz="1600" dirty="0" smtClean="0"/>
-              <a:t>atoms</a:t>
-            </a:r>
-            <a:r>
-              <a:rPr lang="en-CA" sz="1600" dirty="0" smtClean="0"/>
-              <a:t>.</a:t>
+              <a:t>atoms.</a:t>
             </a:r>
             <a:endParaRPr lang="en-CA" sz="1900" dirty="0"/>
           </a:p>
@@ -9364,7 +9327,15 @@
             </a:r>
             <a:r>
               <a:rPr lang="en-CA" sz="1200" i="1" dirty="0"/>
-              <a:t>syntactic realizations for </a:t>
+              <a:t>syntactic </a:t>
+            </a:r>
+            <a:r>
+              <a:rPr lang="en-CA" sz="1200" i="1" dirty="0" smtClean="0"/>
+              <a:t>realization </a:t>
+            </a:r>
+            <a:r>
+              <a:rPr lang="en-CA" sz="1200" i="1" dirty="0"/>
+              <a:t>for </a:t>
             </a:r>
             <a:r>
               <a:rPr lang="en-CA" sz="1200" i="1" dirty="0" smtClean="0"/>
@@ -9386,7 +9357,6 @@
               <a:rPr lang="en-CA" sz="1200" i="1" dirty="0" smtClean="0"/>
               <a:t>)</a:t>
             </a:r>
-            <a:endParaRPr lang="en-CA" sz="1200" i="1" dirty="0" smtClean="0"/>
           </a:p>
         </p:txBody>
       </p:sp>
@@ -9414,9 +9384,8 @@
           <a:p>
             <a:r>
               <a:rPr lang="en-CA" sz="1400" dirty="0" smtClean="0"/>
-              <a:t>June 4, 2018</a:t>
+              <a:t>June 5, 2018</a:t>
             </a:r>
-            <a:endParaRPr lang="en-CA" sz="1400" dirty="0" smtClean="0"/>
           </a:p>
         </p:txBody>
       </p:sp>
@@ -16840,6 +16809,36 @@
               <a:t>al:</a:t>
             </a:r>
             <a:endParaRPr lang="en-CA" sz="2000" dirty="0"/>
+          </a:p>
+        </p:txBody>
+      </p:sp>
+      <p:sp>
+        <p:nvSpPr>
+          <p:cNvPr id="3" name="TextBox 2"/>
+          <p:cNvSpPr txBox="1"/>
+          <p:nvPr/>
+        </p:nvSpPr>
+        <p:spPr>
+          <a:xfrm>
+            <a:off x="8604448" y="1124744"/>
+            <a:ext cx="386644" cy="369332"/>
+          </a:xfrm>
+          <a:prstGeom prst="rect">
+            <a:avLst/>
+          </a:prstGeom>
+          <a:noFill/>
+        </p:spPr>
+        <p:txBody>
+          <a:bodyPr wrap="none" rtlCol="0">
+            <a:spAutoFit/>
+          </a:bodyPr>
+          <a:lstStyle/>
+          <a:p>
+            <a:r>
+              <a:rPr lang="en-CA" dirty="0" smtClean="0"/>
+              <a:t>or</a:t>
+            </a:r>
+            <a:endParaRPr lang="en-CA" dirty="0"/>
           </a:p>
         </p:txBody>
       </p:sp>

--- a/talks/WeddingMetaCore.pptx
+++ b/talks/WeddingMetaCore.pptx
@@ -289,7 +289,7 @@
           <a:p>
             <a:fld id="{D20B567E-57D3-4E43-AC89-D1A4605D9845}" type="datetimeFigureOut">
               <a:rPr lang="en-CA" smtClean="0"/>
-              <a:t>2018-06-05</a:t>
+              <a:t>2018-12-26</a:t>
             </a:fld>
             <a:endParaRPr lang="en-CA"/>
           </a:p>
@@ -459,7 +459,7 @@
           <a:p>
             <a:fld id="{D20B567E-57D3-4E43-AC89-D1A4605D9845}" type="datetimeFigureOut">
               <a:rPr lang="en-CA" smtClean="0"/>
-              <a:t>2018-06-05</a:t>
+              <a:t>2018-12-26</a:t>
             </a:fld>
             <a:endParaRPr lang="en-CA"/>
           </a:p>
@@ -639,7 +639,7 @@
           <a:p>
             <a:fld id="{D20B567E-57D3-4E43-AC89-D1A4605D9845}" type="datetimeFigureOut">
               <a:rPr lang="en-CA" smtClean="0"/>
-              <a:t>2018-06-05</a:t>
+              <a:t>2018-12-26</a:t>
             </a:fld>
             <a:endParaRPr lang="en-CA"/>
           </a:p>
@@ -809,7 +809,7 @@
           <a:p>
             <a:fld id="{D20B567E-57D3-4E43-AC89-D1A4605D9845}" type="datetimeFigureOut">
               <a:rPr lang="en-CA" smtClean="0"/>
-              <a:t>2018-06-05</a:t>
+              <a:t>2018-12-26</a:t>
             </a:fld>
             <a:endParaRPr lang="en-CA"/>
           </a:p>
@@ -1055,7 +1055,7 @@
           <a:p>
             <a:fld id="{D20B567E-57D3-4E43-AC89-D1A4605D9845}" type="datetimeFigureOut">
               <a:rPr lang="en-CA" smtClean="0"/>
-              <a:t>2018-06-05</a:t>
+              <a:t>2018-12-26</a:t>
             </a:fld>
             <a:endParaRPr lang="en-CA"/>
           </a:p>
@@ -1343,7 +1343,7 @@
           <a:p>
             <a:fld id="{D20B567E-57D3-4E43-AC89-D1A4605D9845}" type="datetimeFigureOut">
               <a:rPr lang="en-CA" smtClean="0"/>
-              <a:t>2018-06-05</a:t>
+              <a:t>2018-12-26</a:t>
             </a:fld>
             <a:endParaRPr lang="en-CA"/>
           </a:p>
@@ -1765,7 +1765,7 @@
           <a:p>
             <a:fld id="{D20B567E-57D3-4E43-AC89-D1A4605D9845}" type="datetimeFigureOut">
               <a:rPr lang="en-CA" smtClean="0"/>
-              <a:t>2018-06-05</a:t>
+              <a:t>2018-12-26</a:t>
             </a:fld>
             <a:endParaRPr lang="en-CA"/>
           </a:p>
@@ -1883,7 +1883,7 @@
           <a:p>
             <a:fld id="{D20B567E-57D3-4E43-AC89-D1A4605D9845}" type="datetimeFigureOut">
               <a:rPr lang="en-CA" smtClean="0"/>
-              <a:t>2018-06-05</a:t>
+              <a:t>2018-12-26</a:t>
             </a:fld>
             <a:endParaRPr lang="en-CA"/>
           </a:p>
@@ -1978,7 +1978,7 @@
           <a:p>
             <a:fld id="{D20B567E-57D3-4E43-AC89-D1A4605D9845}" type="datetimeFigureOut">
               <a:rPr lang="en-CA" smtClean="0"/>
-              <a:t>2018-06-05</a:t>
+              <a:t>2018-12-26</a:t>
             </a:fld>
             <a:endParaRPr lang="en-CA"/>
           </a:p>
@@ -2255,7 +2255,7 @@
           <a:p>
             <a:fld id="{D20B567E-57D3-4E43-AC89-D1A4605D9845}" type="datetimeFigureOut">
               <a:rPr lang="en-CA" smtClean="0"/>
-              <a:t>2018-06-05</a:t>
+              <a:t>2018-12-26</a:t>
             </a:fld>
             <a:endParaRPr lang="en-CA"/>
           </a:p>
@@ -2508,7 +2508,7 @@
           <a:p>
             <a:fld id="{D20B567E-57D3-4E43-AC89-D1A4605D9845}" type="datetimeFigureOut">
               <a:rPr lang="en-CA" smtClean="0"/>
-              <a:t>2018-06-05</a:t>
+              <a:t>2018-12-26</a:t>
             </a:fld>
             <a:endParaRPr lang="en-CA"/>
           </a:p>
@@ -2721,7 +2721,7 @@
           <a:p>
             <a:fld id="{D20B567E-57D3-4E43-AC89-D1A4605D9845}" type="datetimeFigureOut">
               <a:rPr lang="en-CA" smtClean="0"/>
-              <a:t>2018-06-05</a:t>
+              <a:t>2018-12-26</a:t>
             </a:fld>
             <a:endParaRPr lang="en-CA"/>
           </a:p>
@@ -6596,7 +6596,7 @@
         <p:spPr>
           <a:xfrm>
             <a:off x="971600" y="1837273"/>
-            <a:ext cx="603050" cy="369332"/>
+            <a:ext cx="1819729" cy="646331"/>
           </a:xfrm>
           <a:prstGeom prst="rect">
             <a:avLst/>
@@ -6611,7 +6611,21 @@
           <a:p>
             <a:r>
               <a:rPr lang="en-CA" dirty="0" smtClean="0"/>
-              <a:t>pn1.</a:t>
+              <a:t>pn1</a:t>
+            </a:r>
+            <a:r>
+              <a:rPr lang="en-CA" dirty="0"/>
+              <a:t>. </a:t>
+            </a:r>
+            <a:r>
+              <a:rPr lang="en-CA" dirty="0" smtClean="0"/>
+              <a:t>single-tuple:</a:t>
+            </a:r>
+          </a:p>
+          <a:p>
+            <a:r>
+              <a:rPr lang="en-CA" dirty="0" err="1" smtClean="0"/>
+              <a:t>shelfships</a:t>
             </a:r>
             <a:endParaRPr lang="en-CA" dirty="0"/>
           </a:p>
@@ -6626,7 +6640,7 @@
         <p:spPr>
           <a:xfrm>
             <a:off x="971600" y="6011996"/>
-            <a:ext cx="1314527" cy="369332"/>
+            <a:ext cx="1818959" cy="369332"/>
           </a:xfrm>
           <a:prstGeom prst="rect">
             <a:avLst/>
@@ -6644,8 +6658,8 @@
               <a:t>pn4. </a:t>
             </a:r>
             <a:r>
-              <a:rPr lang="en-CA" b="1" dirty="0"/>
-              <a:t>frames</a:t>
+              <a:rPr lang="en-CA" b="1" dirty="0" err="1"/>
+              <a:t>framepoints</a:t>
             </a:r>
             <a:endParaRPr lang="en-CA" dirty="0"/>
           </a:p>
@@ -6660,7 +6674,7 @@
         <p:spPr>
           <a:xfrm>
             <a:off x="971600" y="4355812"/>
-            <a:ext cx="603050" cy="369332"/>
+            <a:ext cx="1687193" cy="369332"/>
           </a:xfrm>
           <a:prstGeom prst="rect">
             <a:avLst/>
@@ -6675,8 +6689,17 @@
           <a:p>
             <a:r>
               <a:rPr lang="en-CA" dirty="0"/>
-              <a:t>pn3.</a:t>
+              <a:t>pn3</a:t>
             </a:r>
+            <a:r>
+              <a:rPr lang="en-CA" dirty="0"/>
+              <a:t>. </a:t>
+            </a:r>
+            <a:r>
+              <a:rPr lang="en-CA" dirty="0" err="1"/>
+              <a:t>frameships</a:t>
+            </a:r>
+            <a:endParaRPr lang="en-CA" dirty="0"/>
           </a:p>
         </p:txBody>
       </p:sp>
@@ -7952,8 +7975,8 @@
           </a:p>
           <a:p>
             <a:r>
-              <a:rPr lang="en-CA" dirty="0" smtClean="0"/>
-              <a:t>shelves</a:t>
+              <a:rPr lang="en-CA" dirty="0" err="1"/>
+              <a:t>shelfpoints</a:t>
             </a:r>
             <a:endParaRPr lang="en-CA" dirty="0"/>
           </a:p>
@@ -9368,8 +9391,8 @@
         </p:nvSpPr>
         <p:spPr>
           <a:xfrm>
-            <a:off x="1452589" y="764704"/>
-            <a:ext cx="1103187" cy="307777"/>
+            <a:off x="1259632" y="764704"/>
+            <a:ext cx="1804918" cy="523220"/>
           </a:xfrm>
           <a:prstGeom prst="rect">
             <a:avLst/>
@@ -9384,8 +9407,23 @@
           <a:p>
             <a:r>
               <a:rPr lang="en-CA" sz="1400" dirty="0" smtClean="0"/>
-              <a:t>June 5, 2018</a:t>
+              <a:t>June 5, </a:t>
             </a:r>
+            <a:r>
+              <a:rPr lang="en-CA" sz="1400" dirty="0" smtClean="0"/>
+              <a:t>2018</a:t>
+            </a:r>
+          </a:p>
+          <a:p>
+            <a:r>
+              <a:rPr lang="en-CA" sz="1400" dirty="0" smtClean="0"/>
+              <a:t>Update: Dec. 26, </a:t>
+            </a:r>
+            <a:r>
+              <a:rPr lang="en-CA" sz="1400" dirty="0"/>
+              <a:t>2018</a:t>
+            </a:r>
+            <a:endParaRPr lang="en-CA" sz="1400" dirty="0" smtClean="0"/>
           </a:p>
         </p:txBody>
       </p:sp>
@@ -9397,7 +9435,7 @@
         </p:nvSpPr>
         <p:spPr>
           <a:xfrm>
-            <a:off x="971600" y="1156682"/>
+            <a:off x="971600" y="1300698"/>
             <a:ext cx="1750031" cy="400110"/>
           </a:xfrm>
           <a:prstGeom prst="rect">
@@ -15224,7 +15262,7 @@
         <p:spPr>
           <a:xfrm>
             <a:off x="971600" y="6010293"/>
-            <a:ext cx="584263" cy="369332"/>
+            <a:ext cx="1585627" cy="369332"/>
           </a:xfrm>
           <a:prstGeom prst="rect">
             <a:avLst/>
@@ -15239,8 +15277,17 @@
           <a:p>
             <a:r>
               <a:rPr lang="en-CA" dirty="0"/>
-              <a:t>pv4.</a:t>
+              <a:t>pv4</a:t>
             </a:r>
+            <a:r>
+              <a:rPr lang="en-CA" dirty="0"/>
+              <a:t>. </a:t>
+            </a:r>
+            <a:r>
+              <a:rPr lang="en-CA" dirty="0" err="1"/>
+              <a:t>pairpoints</a:t>
+            </a:r>
+            <a:endParaRPr lang="en-CA" dirty="0"/>
           </a:p>
         </p:txBody>
       </p:sp>
@@ -16496,7 +16543,7 @@
         <p:spPr>
           <a:xfrm>
             <a:off x="971600" y="2924944"/>
-            <a:ext cx="584263" cy="369332"/>
+            <a:ext cx="1800942" cy="646331"/>
           </a:xfrm>
           <a:prstGeom prst="rect">
             <a:avLst/>
@@ -16511,7 +16558,21 @@
           <a:p>
             <a:r>
               <a:rPr lang="en-CA" dirty="0" smtClean="0"/>
-              <a:t>pv2.</a:t>
+              <a:t>pv2</a:t>
+            </a:r>
+            <a:r>
+              <a:rPr lang="en-CA" dirty="0"/>
+              <a:t>. </a:t>
+            </a:r>
+            <a:r>
+              <a:rPr lang="en-CA" dirty="0" smtClean="0"/>
+              <a:t>single-tuple:</a:t>
+            </a:r>
+          </a:p>
+          <a:p>
+            <a:r>
+              <a:rPr lang="en-CA" dirty="0" err="1" smtClean="0"/>
+              <a:t>relationpoints</a:t>
             </a:r>
             <a:endParaRPr lang="en-CA" dirty="0"/>
           </a:p>
